--- a/ppt 16-9/1177.甜蜜的美地.pptx
+++ b/ppt 16-9/1177.甜蜜的美地.pptx
@@ -129,7 +129,7 @@
           <p:cNvPr id="2" name="标题 1">
             <a:extLst>
               <a:ext uri="{FF2B5EF4-FFF2-40B4-BE49-F238E27FC236}">
-                <a16:creationId xmlns:a16="http://schemas.microsoft.com/office/drawing/2014/main" id="{B1D82CEC-FCC0-A363-EEE7-911809164049}"/>
+                <a16:creationId xmlns:a16="http://schemas.microsoft.com/office/drawing/2014/main" id="{F25643BF-2C4A-5B2C-F395-FD9C0CCB6938}"/>
               </a:ext>
             </a:extLst>
           </p:cNvPr>
@@ -166,7 +166,7 @@
           <p:cNvPr id="3" name="副标题 2">
             <a:extLst>
               <a:ext uri="{FF2B5EF4-FFF2-40B4-BE49-F238E27FC236}">
-                <a16:creationId xmlns:a16="http://schemas.microsoft.com/office/drawing/2014/main" id="{DCEFB479-B63C-597C-2FBF-1DB794BD9BE6}"/>
+                <a16:creationId xmlns:a16="http://schemas.microsoft.com/office/drawing/2014/main" id="{A18366C8-B81C-3330-AD4F-CB7BF1C86B92}"/>
               </a:ext>
             </a:extLst>
           </p:cNvPr>
@@ -236,7 +236,7 @@
           <p:cNvPr id="4" name="日期占位符 3">
             <a:extLst>
               <a:ext uri="{FF2B5EF4-FFF2-40B4-BE49-F238E27FC236}">
-                <a16:creationId xmlns:a16="http://schemas.microsoft.com/office/drawing/2014/main" id="{115250EA-7C6A-BCE0-D246-88140F893EC5}"/>
+                <a16:creationId xmlns:a16="http://schemas.microsoft.com/office/drawing/2014/main" id="{145C4E84-E88F-A37E-D197-15BD5EE05EFA}"/>
               </a:ext>
             </a:extLst>
           </p:cNvPr>
@@ -252,7 +252,7 @@
           <a:bodyPr/>
           <a:lstStyle/>
           <a:p>
-            <a:fld id="{F0E689ED-7107-45A0-B095-9344D440C9F6}" type="datetimeFigureOut">
+            <a:fld id="{C50EE611-0383-4302-85D5-0C28699FB576}" type="datetimeFigureOut">
               <a:rPr lang="zh-CN" altLang="en-US" smtClean="0"/>
               <a:t>2024/3/10</a:t>
             </a:fld>
@@ -265,7 +265,7 @@
           <p:cNvPr id="5" name="页脚占位符 4">
             <a:extLst>
               <a:ext uri="{FF2B5EF4-FFF2-40B4-BE49-F238E27FC236}">
-                <a16:creationId xmlns:a16="http://schemas.microsoft.com/office/drawing/2014/main" id="{FB0EDBBE-1FEC-71B3-8165-CAF1858142D6}"/>
+                <a16:creationId xmlns:a16="http://schemas.microsoft.com/office/drawing/2014/main" id="{871E977A-7752-94A7-204D-6337BA45A16F}"/>
               </a:ext>
             </a:extLst>
           </p:cNvPr>
@@ -290,7 +290,7 @@
           <p:cNvPr id="6" name="灯片编号占位符 5">
             <a:extLst>
               <a:ext uri="{FF2B5EF4-FFF2-40B4-BE49-F238E27FC236}">
-                <a16:creationId xmlns:a16="http://schemas.microsoft.com/office/drawing/2014/main" id="{4399638A-A481-2CD7-8C63-16E081F9B0A0}"/>
+                <a16:creationId xmlns:a16="http://schemas.microsoft.com/office/drawing/2014/main" id="{F47BB93B-00AE-4E09-7082-C02F10F26381}"/>
               </a:ext>
             </a:extLst>
           </p:cNvPr>
@@ -306,7 +306,7 @@
           <a:bodyPr/>
           <a:lstStyle/>
           <a:p>
-            <a:fld id="{853AB6F7-C766-402B-951A-762FF8A4124F}" type="slidenum">
+            <a:fld id="{BD72DCBB-D507-477E-9DAD-2155717DADC4}" type="slidenum">
               <a:rPr lang="zh-CN" altLang="en-US" smtClean="0"/>
               <a:t>‹#›</a:t>
             </a:fld>
@@ -317,7 +317,7 @@
     </p:spTree>
     <p:extLst>
       <p:ext uri="{BB962C8B-B14F-4D97-AF65-F5344CB8AC3E}">
-        <p14:creationId xmlns:p14="http://schemas.microsoft.com/office/powerpoint/2010/main" val="1068269120"/>
+        <p14:creationId xmlns:p14="http://schemas.microsoft.com/office/powerpoint/2010/main" val="2675070017"/>
       </p:ext>
     </p:extLst>
   </p:cSld>
@@ -349,7 +349,7 @@
           <p:cNvPr id="2" name="标题 1">
             <a:extLst>
               <a:ext uri="{FF2B5EF4-FFF2-40B4-BE49-F238E27FC236}">
-                <a16:creationId xmlns:a16="http://schemas.microsoft.com/office/drawing/2014/main" id="{01EF9C4E-C3AF-2A6C-08D5-35457CCF3145}"/>
+                <a16:creationId xmlns:a16="http://schemas.microsoft.com/office/drawing/2014/main" id="{3D55EB0C-87EC-5524-833E-F00ED2B91251}"/>
               </a:ext>
             </a:extLst>
           </p:cNvPr>
@@ -377,7 +377,7 @@
           <p:cNvPr id="3" name="竖排文字占位符 2">
             <a:extLst>
               <a:ext uri="{FF2B5EF4-FFF2-40B4-BE49-F238E27FC236}">
-                <a16:creationId xmlns:a16="http://schemas.microsoft.com/office/drawing/2014/main" id="{81F7D220-ACE0-E463-F3AE-345F6AFF32D1}"/>
+                <a16:creationId xmlns:a16="http://schemas.microsoft.com/office/drawing/2014/main" id="{EA390B88-60A5-7328-1637-1B3CC4D8EF96}"/>
               </a:ext>
             </a:extLst>
           </p:cNvPr>
@@ -434,7 +434,7 @@
           <p:cNvPr id="4" name="日期占位符 3">
             <a:extLst>
               <a:ext uri="{FF2B5EF4-FFF2-40B4-BE49-F238E27FC236}">
-                <a16:creationId xmlns:a16="http://schemas.microsoft.com/office/drawing/2014/main" id="{648C079B-A0D3-C65C-9003-7EC9484D4A48}"/>
+                <a16:creationId xmlns:a16="http://schemas.microsoft.com/office/drawing/2014/main" id="{20507DB5-0DA5-533D-E3F7-392AD753438E}"/>
               </a:ext>
             </a:extLst>
           </p:cNvPr>
@@ -450,7 +450,7 @@
           <a:bodyPr/>
           <a:lstStyle/>
           <a:p>
-            <a:fld id="{F0E689ED-7107-45A0-B095-9344D440C9F6}" type="datetimeFigureOut">
+            <a:fld id="{C50EE611-0383-4302-85D5-0C28699FB576}" type="datetimeFigureOut">
               <a:rPr lang="zh-CN" altLang="en-US" smtClean="0"/>
               <a:t>2024/3/10</a:t>
             </a:fld>
@@ -463,7 +463,7 @@
           <p:cNvPr id="5" name="页脚占位符 4">
             <a:extLst>
               <a:ext uri="{FF2B5EF4-FFF2-40B4-BE49-F238E27FC236}">
-                <a16:creationId xmlns:a16="http://schemas.microsoft.com/office/drawing/2014/main" id="{80A60BA8-A553-4D6F-405D-51654FB8C8A0}"/>
+                <a16:creationId xmlns:a16="http://schemas.microsoft.com/office/drawing/2014/main" id="{13E2B41D-9A00-DE87-C1E6-5582477D5F6C}"/>
               </a:ext>
             </a:extLst>
           </p:cNvPr>
@@ -488,7 +488,7 @@
           <p:cNvPr id="6" name="灯片编号占位符 5">
             <a:extLst>
               <a:ext uri="{FF2B5EF4-FFF2-40B4-BE49-F238E27FC236}">
-                <a16:creationId xmlns:a16="http://schemas.microsoft.com/office/drawing/2014/main" id="{29995926-EF0D-C805-4227-03E351DB691E}"/>
+                <a16:creationId xmlns:a16="http://schemas.microsoft.com/office/drawing/2014/main" id="{09AFCA80-762C-115C-4F98-3158B6CA07CE}"/>
               </a:ext>
             </a:extLst>
           </p:cNvPr>
@@ -504,7 +504,7 @@
           <a:bodyPr/>
           <a:lstStyle/>
           <a:p>
-            <a:fld id="{853AB6F7-C766-402B-951A-762FF8A4124F}" type="slidenum">
+            <a:fld id="{BD72DCBB-D507-477E-9DAD-2155717DADC4}" type="slidenum">
               <a:rPr lang="zh-CN" altLang="en-US" smtClean="0"/>
               <a:t>‹#›</a:t>
             </a:fld>
@@ -515,7 +515,7 @@
     </p:spTree>
     <p:extLst>
       <p:ext uri="{BB962C8B-B14F-4D97-AF65-F5344CB8AC3E}">
-        <p14:creationId xmlns:p14="http://schemas.microsoft.com/office/powerpoint/2010/main" val="3191732998"/>
+        <p14:creationId xmlns:p14="http://schemas.microsoft.com/office/powerpoint/2010/main" val="403715010"/>
       </p:ext>
     </p:extLst>
   </p:cSld>
@@ -547,7 +547,7 @@
           <p:cNvPr id="2" name="竖排标题 1">
             <a:extLst>
               <a:ext uri="{FF2B5EF4-FFF2-40B4-BE49-F238E27FC236}">
-                <a16:creationId xmlns:a16="http://schemas.microsoft.com/office/drawing/2014/main" id="{01B05862-B50C-D109-7EC7-0D22D295DF58}"/>
+                <a16:creationId xmlns:a16="http://schemas.microsoft.com/office/drawing/2014/main" id="{6E6F0243-A04B-5A00-BAE9-E18AEE6F8F23}"/>
               </a:ext>
             </a:extLst>
           </p:cNvPr>
@@ -580,7 +580,7 @@
           <p:cNvPr id="3" name="竖排文字占位符 2">
             <a:extLst>
               <a:ext uri="{FF2B5EF4-FFF2-40B4-BE49-F238E27FC236}">
-                <a16:creationId xmlns:a16="http://schemas.microsoft.com/office/drawing/2014/main" id="{7F21AAD6-0BA1-108B-D127-E6F587AD6EA4}"/>
+                <a16:creationId xmlns:a16="http://schemas.microsoft.com/office/drawing/2014/main" id="{13138F7B-FBB9-9F96-F7CA-2760CAA0BB4A}"/>
               </a:ext>
             </a:extLst>
           </p:cNvPr>
@@ -642,7 +642,7 @@
           <p:cNvPr id="4" name="日期占位符 3">
             <a:extLst>
               <a:ext uri="{FF2B5EF4-FFF2-40B4-BE49-F238E27FC236}">
-                <a16:creationId xmlns:a16="http://schemas.microsoft.com/office/drawing/2014/main" id="{0F71E594-1697-B18C-D845-E68F04305603}"/>
+                <a16:creationId xmlns:a16="http://schemas.microsoft.com/office/drawing/2014/main" id="{169D3414-AC89-D09C-60A5-ADC9BFD85E76}"/>
               </a:ext>
             </a:extLst>
           </p:cNvPr>
@@ -658,7 +658,7 @@
           <a:bodyPr/>
           <a:lstStyle/>
           <a:p>
-            <a:fld id="{F0E689ED-7107-45A0-B095-9344D440C9F6}" type="datetimeFigureOut">
+            <a:fld id="{C50EE611-0383-4302-85D5-0C28699FB576}" type="datetimeFigureOut">
               <a:rPr lang="zh-CN" altLang="en-US" smtClean="0"/>
               <a:t>2024/3/10</a:t>
             </a:fld>
@@ -671,7 +671,7 @@
           <p:cNvPr id="5" name="页脚占位符 4">
             <a:extLst>
               <a:ext uri="{FF2B5EF4-FFF2-40B4-BE49-F238E27FC236}">
-                <a16:creationId xmlns:a16="http://schemas.microsoft.com/office/drawing/2014/main" id="{47A04D50-D258-A416-924A-679EC0D1A185}"/>
+                <a16:creationId xmlns:a16="http://schemas.microsoft.com/office/drawing/2014/main" id="{E99C4C0E-4912-9C16-C5BB-D1FFF0B0ED28}"/>
               </a:ext>
             </a:extLst>
           </p:cNvPr>
@@ -696,7 +696,7 @@
           <p:cNvPr id="6" name="灯片编号占位符 5">
             <a:extLst>
               <a:ext uri="{FF2B5EF4-FFF2-40B4-BE49-F238E27FC236}">
-                <a16:creationId xmlns:a16="http://schemas.microsoft.com/office/drawing/2014/main" id="{81F12E69-0330-114A-6F1C-233C7C897A4C}"/>
+                <a16:creationId xmlns:a16="http://schemas.microsoft.com/office/drawing/2014/main" id="{088E77A9-F4D7-E509-278C-EF446FCFEBCA}"/>
               </a:ext>
             </a:extLst>
           </p:cNvPr>
@@ -712,7 +712,7 @@
           <a:bodyPr/>
           <a:lstStyle/>
           <a:p>
-            <a:fld id="{853AB6F7-C766-402B-951A-762FF8A4124F}" type="slidenum">
+            <a:fld id="{BD72DCBB-D507-477E-9DAD-2155717DADC4}" type="slidenum">
               <a:rPr lang="zh-CN" altLang="en-US" smtClean="0"/>
               <a:t>‹#›</a:t>
             </a:fld>
@@ -723,7 +723,7 @@
     </p:spTree>
     <p:extLst>
       <p:ext uri="{BB962C8B-B14F-4D97-AF65-F5344CB8AC3E}">
-        <p14:creationId xmlns:p14="http://schemas.microsoft.com/office/powerpoint/2010/main" val="668448804"/>
+        <p14:creationId xmlns:p14="http://schemas.microsoft.com/office/powerpoint/2010/main" val="280795403"/>
       </p:ext>
     </p:extLst>
   </p:cSld>
@@ -755,7 +755,7 @@
           <p:cNvPr id="2" name="标题 1">
             <a:extLst>
               <a:ext uri="{FF2B5EF4-FFF2-40B4-BE49-F238E27FC236}">
-                <a16:creationId xmlns:a16="http://schemas.microsoft.com/office/drawing/2014/main" id="{92300671-AFBF-8195-6777-C426FF7D7E8E}"/>
+                <a16:creationId xmlns:a16="http://schemas.microsoft.com/office/drawing/2014/main" id="{5BD36700-E8B8-A1D5-3A39-B2F15B643361}"/>
               </a:ext>
             </a:extLst>
           </p:cNvPr>
@@ -783,7 +783,7 @@
           <p:cNvPr id="3" name="内容占位符 2">
             <a:extLst>
               <a:ext uri="{FF2B5EF4-FFF2-40B4-BE49-F238E27FC236}">
-                <a16:creationId xmlns:a16="http://schemas.microsoft.com/office/drawing/2014/main" id="{002A8EEF-F05A-AAEE-F38E-E6AE9B4764D4}"/>
+                <a16:creationId xmlns:a16="http://schemas.microsoft.com/office/drawing/2014/main" id="{7423BD76-63F5-BD14-1FD7-BE4CBE3887F6}"/>
               </a:ext>
             </a:extLst>
           </p:cNvPr>
@@ -840,7 +840,7 @@
           <p:cNvPr id="4" name="日期占位符 3">
             <a:extLst>
               <a:ext uri="{FF2B5EF4-FFF2-40B4-BE49-F238E27FC236}">
-                <a16:creationId xmlns:a16="http://schemas.microsoft.com/office/drawing/2014/main" id="{FF6F1098-9182-310E-4FB5-1729A6C6EFAC}"/>
+                <a16:creationId xmlns:a16="http://schemas.microsoft.com/office/drawing/2014/main" id="{F6CA632E-4D25-3BF8-CD28-C5B0CB521D63}"/>
               </a:ext>
             </a:extLst>
           </p:cNvPr>
@@ -856,7 +856,7 @@
           <a:bodyPr/>
           <a:lstStyle/>
           <a:p>
-            <a:fld id="{F0E689ED-7107-45A0-B095-9344D440C9F6}" type="datetimeFigureOut">
+            <a:fld id="{C50EE611-0383-4302-85D5-0C28699FB576}" type="datetimeFigureOut">
               <a:rPr lang="zh-CN" altLang="en-US" smtClean="0"/>
               <a:t>2024/3/10</a:t>
             </a:fld>
@@ -869,7 +869,7 @@
           <p:cNvPr id="5" name="页脚占位符 4">
             <a:extLst>
               <a:ext uri="{FF2B5EF4-FFF2-40B4-BE49-F238E27FC236}">
-                <a16:creationId xmlns:a16="http://schemas.microsoft.com/office/drawing/2014/main" id="{FD9EDF93-96BF-886E-D874-0A32C755F68E}"/>
+                <a16:creationId xmlns:a16="http://schemas.microsoft.com/office/drawing/2014/main" id="{F5508D39-EE8B-FB52-3D0D-C11A8D44B5F9}"/>
               </a:ext>
             </a:extLst>
           </p:cNvPr>
@@ -894,7 +894,7 @@
           <p:cNvPr id="6" name="灯片编号占位符 5">
             <a:extLst>
               <a:ext uri="{FF2B5EF4-FFF2-40B4-BE49-F238E27FC236}">
-                <a16:creationId xmlns:a16="http://schemas.microsoft.com/office/drawing/2014/main" id="{820567E1-A8AD-0E76-2506-2F5FCCFC567D}"/>
+                <a16:creationId xmlns:a16="http://schemas.microsoft.com/office/drawing/2014/main" id="{65D86A46-0474-9461-1D17-F398DD9691E8}"/>
               </a:ext>
             </a:extLst>
           </p:cNvPr>
@@ -910,7 +910,7 @@
           <a:bodyPr/>
           <a:lstStyle/>
           <a:p>
-            <a:fld id="{853AB6F7-C766-402B-951A-762FF8A4124F}" type="slidenum">
+            <a:fld id="{BD72DCBB-D507-477E-9DAD-2155717DADC4}" type="slidenum">
               <a:rPr lang="zh-CN" altLang="en-US" smtClean="0"/>
               <a:t>‹#›</a:t>
             </a:fld>
@@ -921,7 +921,7 @@
     </p:spTree>
     <p:extLst>
       <p:ext uri="{BB962C8B-B14F-4D97-AF65-F5344CB8AC3E}">
-        <p14:creationId xmlns:p14="http://schemas.microsoft.com/office/powerpoint/2010/main" val="170192559"/>
+        <p14:creationId xmlns:p14="http://schemas.microsoft.com/office/powerpoint/2010/main" val="2864708826"/>
       </p:ext>
     </p:extLst>
   </p:cSld>
@@ -953,7 +953,7 @@
           <p:cNvPr id="2" name="标题 1">
             <a:extLst>
               <a:ext uri="{FF2B5EF4-FFF2-40B4-BE49-F238E27FC236}">
-                <a16:creationId xmlns:a16="http://schemas.microsoft.com/office/drawing/2014/main" id="{3C48363D-17A7-2E3E-5544-747AC9ED0CBC}"/>
+                <a16:creationId xmlns:a16="http://schemas.microsoft.com/office/drawing/2014/main" id="{71112642-1982-27A5-5D09-5EF7D2567C9A}"/>
               </a:ext>
             </a:extLst>
           </p:cNvPr>
@@ -990,7 +990,7 @@
           <p:cNvPr id="3" name="文本占位符 2">
             <a:extLst>
               <a:ext uri="{FF2B5EF4-FFF2-40B4-BE49-F238E27FC236}">
-                <a16:creationId xmlns:a16="http://schemas.microsoft.com/office/drawing/2014/main" id="{2131628E-1FF8-075C-AFCD-74229470BC44}"/>
+                <a16:creationId xmlns:a16="http://schemas.microsoft.com/office/drawing/2014/main" id="{FFE01EC4-8C66-7D6D-F516-397342AD802B}"/>
               </a:ext>
             </a:extLst>
           </p:cNvPr>
@@ -1115,7 +1115,7 @@
           <p:cNvPr id="4" name="日期占位符 3">
             <a:extLst>
               <a:ext uri="{FF2B5EF4-FFF2-40B4-BE49-F238E27FC236}">
-                <a16:creationId xmlns:a16="http://schemas.microsoft.com/office/drawing/2014/main" id="{769D0131-32EB-BDDF-6BEE-16556E7690C8}"/>
+                <a16:creationId xmlns:a16="http://schemas.microsoft.com/office/drawing/2014/main" id="{C7ABA86A-246B-7F1D-9D0D-BD3E41EAB42E}"/>
               </a:ext>
             </a:extLst>
           </p:cNvPr>
@@ -1131,7 +1131,7 @@
           <a:bodyPr/>
           <a:lstStyle/>
           <a:p>
-            <a:fld id="{F0E689ED-7107-45A0-B095-9344D440C9F6}" type="datetimeFigureOut">
+            <a:fld id="{C50EE611-0383-4302-85D5-0C28699FB576}" type="datetimeFigureOut">
               <a:rPr lang="zh-CN" altLang="en-US" smtClean="0"/>
               <a:t>2024/3/10</a:t>
             </a:fld>
@@ -1144,7 +1144,7 @@
           <p:cNvPr id="5" name="页脚占位符 4">
             <a:extLst>
               <a:ext uri="{FF2B5EF4-FFF2-40B4-BE49-F238E27FC236}">
-                <a16:creationId xmlns:a16="http://schemas.microsoft.com/office/drawing/2014/main" id="{6B7D1A57-8E0F-4930-4776-F2F61A1D9A0A}"/>
+                <a16:creationId xmlns:a16="http://schemas.microsoft.com/office/drawing/2014/main" id="{A09ED136-0DA7-3DBB-0219-654B3A21264C}"/>
               </a:ext>
             </a:extLst>
           </p:cNvPr>
@@ -1169,7 +1169,7 @@
           <p:cNvPr id="6" name="灯片编号占位符 5">
             <a:extLst>
               <a:ext uri="{FF2B5EF4-FFF2-40B4-BE49-F238E27FC236}">
-                <a16:creationId xmlns:a16="http://schemas.microsoft.com/office/drawing/2014/main" id="{DF3E93B4-1569-BCA7-E723-A0F8A5718306}"/>
+                <a16:creationId xmlns:a16="http://schemas.microsoft.com/office/drawing/2014/main" id="{BB17A85F-DCFA-ABA0-9819-386D9C2D3234}"/>
               </a:ext>
             </a:extLst>
           </p:cNvPr>
@@ -1185,7 +1185,7 @@
           <a:bodyPr/>
           <a:lstStyle/>
           <a:p>
-            <a:fld id="{853AB6F7-C766-402B-951A-762FF8A4124F}" type="slidenum">
+            <a:fld id="{BD72DCBB-D507-477E-9DAD-2155717DADC4}" type="slidenum">
               <a:rPr lang="zh-CN" altLang="en-US" smtClean="0"/>
               <a:t>‹#›</a:t>
             </a:fld>
@@ -1196,7 +1196,7 @@
     </p:spTree>
     <p:extLst>
       <p:ext uri="{BB962C8B-B14F-4D97-AF65-F5344CB8AC3E}">
-        <p14:creationId xmlns:p14="http://schemas.microsoft.com/office/powerpoint/2010/main" val="2911869091"/>
+        <p14:creationId xmlns:p14="http://schemas.microsoft.com/office/powerpoint/2010/main" val="4230367429"/>
       </p:ext>
     </p:extLst>
   </p:cSld>
@@ -1228,7 +1228,7 @@
           <p:cNvPr id="2" name="标题 1">
             <a:extLst>
               <a:ext uri="{FF2B5EF4-FFF2-40B4-BE49-F238E27FC236}">
-                <a16:creationId xmlns:a16="http://schemas.microsoft.com/office/drawing/2014/main" id="{24FD396D-5623-2A08-F66D-B54904417783}"/>
+                <a16:creationId xmlns:a16="http://schemas.microsoft.com/office/drawing/2014/main" id="{976BACD8-8953-EB1F-F752-0FF89F5CA7CB}"/>
               </a:ext>
             </a:extLst>
           </p:cNvPr>
@@ -1256,7 +1256,7 @@
           <p:cNvPr id="3" name="内容占位符 2">
             <a:extLst>
               <a:ext uri="{FF2B5EF4-FFF2-40B4-BE49-F238E27FC236}">
-                <a16:creationId xmlns:a16="http://schemas.microsoft.com/office/drawing/2014/main" id="{A106E4F7-7769-5567-AADF-9B17D1514D60}"/>
+                <a16:creationId xmlns:a16="http://schemas.microsoft.com/office/drawing/2014/main" id="{B550F88A-D3B9-92C1-5991-EFC7903B002D}"/>
               </a:ext>
             </a:extLst>
           </p:cNvPr>
@@ -1318,7 +1318,7 @@
           <p:cNvPr id="4" name="内容占位符 3">
             <a:extLst>
               <a:ext uri="{FF2B5EF4-FFF2-40B4-BE49-F238E27FC236}">
-                <a16:creationId xmlns:a16="http://schemas.microsoft.com/office/drawing/2014/main" id="{DB5F9042-4F25-22AB-B90B-8C2B81814F36}"/>
+                <a16:creationId xmlns:a16="http://schemas.microsoft.com/office/drawing/2014/main" id="{80CE5045-C527-1D1A-E618-389DE6207016}"/>
               </a:ext>
             </a:extLst>
           </p:cNvPr>
@@ -1380,7 +1380,7 @@
           <p:cNvPr id="5" name="日期占位符 4">
             <a:extLst>
               <a:ext uri="{FF2B5EF4-FFF2-40B4-BE49-F238E27FC236}">
-                <a16:creationId xmlns:a16="http://schemas.microsoft.com/office/drawing/2014/main" id="{8DC5D378-87EB-CE29-5608-976B1EC6B492}"/>
+                <a16:creationId xmlns:a16="http://schemas.microsoft.com/office/drawing/2014/main" id="{1CFDA233-7093-1FED-A76C-2744CD98FF2B}"/>
               </a:ext>
             </a:extLst>
           </p:cNvPr>
@@ -1396,7 +1396,7 @@
           <a:bodyPr/>
           <a:lstStyle/>
           <a:p>
-            <a:fld id="{F0E689ED-7107-45A0-B095-9344D440C9F6}" type="datetimeFigureOut">
+            <a:fld id="{C50EE611-0383-4302-85D5-0C28699FB576}" type="datetimeFigureOut">
               <a:rPr lang="zh-CN" altLang="en-US" smtClean="0"/>
               <a:t>2024/3/10</a:t>
             </a:fld>
@@ -1409,7 +1409,7 @@
           <p:cNvPr id="6" name="页脚占位符 5">
             <a:extLst>
               <a:ext uri="{FF2B5EF4-FFF2-40B4-BE49-F238E27FC236}">
-                <a16:creationId xmlns:a16="http://schemas.microsoft.com/office/drawing/2014/main" id="{6ED55F29-0299-FE98-09D0-A6E0C7365F08}"/>
+                <a16:creationId xmlns:a16="http://schemas.microsoft.com/office/drawing/2014/main" id="{3D901230-802A-CED3-3524-9E7FDA0A79FF}"/>
               </a:ext>
             </a:extLst>
           </p:cNvPr>
@@ -1434,7 +1434,7 @@
           <p:cNvPr id="7" name="灯片编号占位符 6">
             <a:extLst>
               <a:ext uri="{FF2B5EF4-FFF2-40B4-BE49-F238E27FC236}">
-                <a16:creationId xmlns:a16="http://schemas.microsoft.com/office/drawing/2014/main" id="{6B04F815-DA6B-51CA-5A4D-019B58E6EDC3}"/>
+                <a16:creationId xmlns:a16="http://schemas.microsoft.com/office/drawing/2014/main" id="{5F0B5AF9-20ED-4072-8210-885840EF0D65}"/>
               </a:ext>
             </a:extLst>
           </p:cNvPr>
@@ -1450,7 +1450,7 @@
           <a:bodyPr/>
           <a:lstStyle/>
           <a:p>
-            <a:fld id="{853AB6F7-C766-402B-951A-762FF8A4124F}" type="slidenum">
+            <a:fld id="{BD72DCBB-D507-477E-9DAD-2155717DADC4}" type="slidenum">
               <a:rPr lang="zh-CN" altLang="en-US" smtClean="0"/>
               <a:t>‹#›</a:t>
             </a:fld>
@@ -1461,7 +1461,7 @@
     </p:spTree>
     <p:extLst>
       <p:ext uri="{BB962C8B-B14F-4D97-AF65-F5344CB8AC3E}">
-        <p14:creationId xmlns:p14="http://schemas.microsoft.com/office/powerpoint/2010/main" val="1580626615"/>
+        <p14:creationId xmlns:p14="http://schemas.microsoft.com/office/powerpoint/2010/main" val="3028077820"/>
       </p:ext>
     </p:extLst>
   </p:cSld>
@@ -1493,7 +1493,7 @@
           <p:cNvPr id="2" name="标题 1">
             <a:extLst>
               <a:ext uri="{FF2B5EF4-FFF2-40B4-BE49-F238E27FC236}">
-                <a16:creationId xmlns:a16="http://schemas.microsoft.com/office/drawing/2014/main" id="{278DD8BF-1746-3542-5E02-104C0C9D0D0F}"/>
+                <a16:creationId xmlns:a16="http://schemas.microsoft.com/office/drawing/2014/main" id="{CCBDD4E6-7F1C-C0CB-5BD2-90963537CC91}"/>
               </a:ext>
             </a:extLst>
           </p:cNvPr>
@@ -1526,7 +1526,7 @@
           <p:cNvPr id="3" name="文本占位符 2">
             <a:extLst>
               <a:ext uri="{FF2B5EF4-FFF2-40B4-BE49-F238E27FC236}">
-                <a16:creationId xmlns:a16="http://schemas.microsoft.com/office/drawing/2014/main" id="{1A9049A0-1FF2-38ED-E720-61D4FC74DA56}"/>
+                <a16:creationId xmlns:a16="http://schemas.microsoft.com/office/drawing/2014/main" id="{B073AD30-E421-1240-9765-0CBFA448A90D}"/>
               </a:ext>
             </a:extLst>
           </p:cNvPr>
@@ -1597,7 +1597,7 @@
           <p:cNvPr id="4" name="内容占位符 3">
             <a:extLst>
               <a:ext uri="{FF2B5EF4-FFF2-40B4-BE49-F238E27FC236}">
-                <a16:creationId xmlns:a16="http://schemas.microsoft.com/office/drawing/2014/main" id="{24B3FB5C-E2EC-CB88-A938-B305D1B48D3F}"/>
+                <a16:creationId xmlns:a16="http://schemas.microsoft.com/office/drawing/2014/main" id="{68F9D269-9DF5-8205-E292-95D470C630F6}"/>
               </a:ext>
             </a:extLst>
           </p:cNvPr>
@@ -1659,7 +1659,7 @@
           <p:cNvPr id="5" name="文本占位符 4">
             <a:extLst>
               <a:ext uri="{FF2B5EF4-FFF2-40B4-BE49-F238E27FC236}">
-                <a16:creationId xmlns:a16="http://schemas.microsoft.com/office/drawing/2014/main" id="{9EDD85C8-EB17-9815-F5A9-F9CBE19AAB9A}"/>
+                <a16:creationId xmlns:a16="http://schemas.microsoft.com/office/drawing/2014/main" id="{79E9571B-9AEF-58A5-35FD-A649D5725544}"/>
               </a:ext>
             </a:extLst>
           </p:cNvPr>
@@ -1730,7 +1730,7 @@
           <p:cNvPr id="6" name="内容占位符 5">
             <a:extLst>
               <a:ext uri="{FF2B5EF4-FFF2-40B4-BE49-F238E27FC236}">
-                <a16:creationId xmlns:a16="http://schemas.microsoft.com/office/drawing/2014/main" id="{E67545F7-D061-DCE9-772D-0C67BEC86C50}"/>
+                <a16:creationId xmlns:a16="http://schemas.microsoft.com/office/drawing/2014/main" id="{2E8C9233-129C-B2F4-4836-436270FAC73C}"/>
               </a:ext>
             </a:extLst>
           </p:cNvPr>
@@ -1792,7 +1792,7 @@
           <p:cNvPr id="7" name="日期占位符 6">
             <a:extLst>
               <a:ext uri="{FF2B5EF4-FFF2-40B4-BE49-F238E27FC236}">
-                <a16:creationId xmlns:a16="http://schemas.microsoft.com/office/drawing/2014/main" id="{ED6EBA77-8E25-7023-6BEB-EEFB6F6B6BA7}"/>
+                <a16:creationId xmlns:a16="http://schemas.microsoft.com/office/drawing/2014/main" id="{9289F285-5412-4E02-BF96-3CF9D7035219}"/>
               </a:ext>
             </a:extLst>
           </p:cNvPr>
@@ -1808,7 +1808,7 @@
           <a:bodyPr/>
           <a:lstStyle/>
           <a:p>
-            <a:fld id="{F0E689ED-7107-45A0-B095-9344D440C9F6}" type="datetimeFigureOut">
+            <a:fld id="{C50EE611-0383-4302-85D5-0C28699FB576}" type="datetimeFigureOut">
               <a:rPr lang="zh-CN" altLang="en-US" smtClean="0"/>
               <a:t>2024/3/10</a:t>
             </a:fld>
@@ -1821,7 +1821,7 @@
           <p:cNvPr id="8" name="页脚占位符 7">
             <a:extLst>
               <a:ext uri="{FF2B5EF4-FFF2-40B4-BE49-F238E27FC236}">
-                <a16:creationId xmlns:a16="http://schemas.microsoft.com/office/drawing/2014/main" id="{8BF0F2FB-0B7E-E968-70F7-82941854D8AD}"/>
+                <a16:creationId xmlns:a16="http://schemas.microsoft.com/office/drawing/2014/main" id="{FA241F53-CBDC-8650-E711-7A1FBDF7FE5E}"/>
               </a:ext>
             </a:extLst>
           </p:cNvPr>
@@ -1846,7 +1846,7 @@
           <p:cNvPr id="9" name="灯片编号占位符 8">
             <a:extLst>
               <a:ext uri="{FF2B5EF4-FFF2-40B4-BE49-F238E27FC236}">
-                <a16:creationId xmlns:a16="http://schemas.microsoft.com/office/drawing/2014/main" id="{F5518E6E-0273-7FB7-CE0E-4072EF3EC8B6}"/>
+                <a16:creationId xmlns:a16="http://schemas.microsoft.com/office/drawing/2014/main" id="{6272355D-C580-84AA-E356-263FBC80284C}"/>
               </a:ext>
             </a:extLst>
           </p:cNvPr>
@@ -1862,7 +1862,7 @@
           <a:bodyPr/>
           <a:lstStyle/>
           <a:p>
-            <a:fld id="{853AB6F7-C766-402B-951A-762FF8A4124F}" type="slidenum">
+            <a:fld id="{BD72DCBB-D507-477E-9DAD-2155717DADC4}" type="slidenum">
               <a:rPr lang="zh-CN" altLang="en-US" smtClean="0"/>
               <a:t>‹#›</a:t>
             </a:fld>
@@ -1873,7 +1873,7 @@
     </p:spTree>
     <p:extLst>
       <p:ext uri="{BB962C8B-B14F-4D97-AF65-F5344CB8AC3E}">
-        <p14:creationId xmlns:p14="http://schemas.microsoft.com/office/powerpoint/2010/main" val="3705202561"/>
+        <p14:creationId xmlns:p14="http://schemas.microsoft.com/office/powerpoint/2010/main" val="3389310725"/>
       </p:ext>
     </p:extLst>
   </p:cSld>
@@ -1905,7 +1905,7 @@
           <p:cNvPr id="2" name="标题 1">
             <a:extLst>
               <a:ext uri="{FF2B5EF4-FFF2-40B4-BE49-F238E27FC236}">
-                <a16:creationId xmlns:a16="http://schemas.microsoft.com/office/drawing/2014/main" id="{F969EB25-FDE9-6B64-06C5-743A94807CAC}"/>
+                <a16:creationId xmlns:a16="http://schemas.microsoft.com/office/drawing/2014/main" id="{A3C132AB-87D5-2FD6-1466-982F3031FDA7}"/>
               </a:ext>
             </a:extLst>
           </p:cNvPr>
@@ -1933,7 +1933,7 @@
           <p:cNvPr id="3" name="日期占位符 2">
             <a:extLst>
               <a:ext uri="{FF2B5EF4-FFF2-40B4-BE49-F238E27FC236}">
-                <a16:creationId xmlns:a16="http://schemas.microsoft.com/office/drawing/2014/main" id="{21B37B4C-FB74-5F9A-DE48-D732FDF672E4}"/>
+                <a16:creationId xmlns:a16="http://schemas.microsoft.com/office/drawing/2014/main" id="{64E0B319-520F-FE66-4B37-8003DF80424C}"/>
               </a:ext>
             </a:extLst>
           </p:cNvPr>
@@ -1949,7 +1949,7 @@
           <a:bodyPr/>
           <a:lstStyle/>
           <a:p>
-            <a:fld id="{F0E689ED-7107-45A0-B095-9344D440C9F6}" type="datetimeFigureOut">
+            <a:fld id="{C50EE611-0383-4302-85D5-0C28699FB576}" type="datetimeFigureOut">
               <a:rPr lang="zh-CN" altLang="en-US" smtClean="0"/>
               <a:t>2024/3/10</a:t>
             </a:fld>
@@ -1962,7 +1962,7 @@
           <p:cNvPr id="4" name="页脚占位符 3">
             <a:extLst>
               <a:ext uri="{FF2B5EF4-FFF2-40B4-BE49-F238E27FC236}">
-                <a16:creationId xmlns:a16="http://schemas.microsoft.com/office/drawing/2014/main" id="{62F1BE69-2077-DD28-552A-84A841B60CF7}"/>
+                <a16:creationId xmlns:a16="http://schemas.microsoft.com/office/drawing/2014/main" id="{2A570FA4-E2AB-BF18-5330-91FBE7936DBE}"/>
               </a:ext>
             </a:extLst>
           </p:cNvPr>
@@ -1987,7 +1987,7 @@
           <p:cNvPr id="5" name="灯片编号占位符 4">
             <a:extLst>
               <a:ext uri="{FF2B5EF4-FFF2-40B4-BE49-F238E27FC236}">
-                <a16:creationId xmlns:a16="http://schemas.microsoft.com/office/drawing/2014/main" id="{098BEF15-093C-4F7B-E8F3-0B8DFDD9733D}"/>
+                <a16:creationId xmlns:a16="http://schemas.microsoft.com/office/drawing/2014/main" id="{DD947F88-FE26-D60C-FE1F-96C3EEC3ADEF}"/>
               </a:ext>
             </a:extLst>
           </p:cNvPr>
@@ -2003,7 +2003,7 @@
           <a:bodyPr/>
           <a:lstStyle/>
           <a:p>
-            <a:fld id="{853AB6F7-C766-402B-951A-762FF8A4124F}" type="slidenum">
+            <a:fld id="{BD72DCBB-D507-477E-9DAD-2155717DADC4}" type="slidenum">
               <a:rPr lang="zh-CN" altLang="en-US" smtClean="0"/>
               <a:t>‹#›</a:t>
             </a:fld>
@@ -2014,7 +2014,7 @@
     </p:spTree>
     <p:extLst>
       <p:ext uri="{BB962C8B-B14F-4D97-AF65-F5344CB8AC3E}">
-        <p14:creationId xmlns:p14="http://schemas.microsoft.com/office/powerpoint/2010/main" val="106143734"/>
+        <p14:creationId xmlns:p14="http://schemas.microsoft.com/office/powerpoint/2010/main" val="2365953492"/>
       </p:ext>
     </p:extLst>
   </p:cSld>
@@ -2046,7 +2046,7 @@
           <p:cNvPr id="2" name="日期占位符 1">
             <a:extLst>
               <a:ext uri="{FF2B5EF4-FFF2-40B4-BE49-F238E27FC236}">
-                <a16:creationId xmlns:a16="http://schemas.microsoft.com/office/drawing/2014/main" id="{6C27F4BB-056E-5C50-4643-F2F4DAC848A7}"/>
+                <a16:creationId xmlns:a16="http://schemas.microsoft.com/office/drawing/2014/main" id="{701717F4-3A2D-5BCA-B831-91B8E9B29994}"/>
               </a:ext>
             </a:extLst>
           </p:cNvPr>
@@ -2062,7 +2062,7 @@
           <a:bodyPr/>
           <a:lstStyle/>
           <a:p>
-            <a:fld id="{F0E689ED-7107-45A0-B095-9344D440C9F6}" type="datetimeFigureOut">
+            <a:fld id="{C50EE611-0383-4302-85D5-0C28699FB576}" type="datetimeFigureOut">
               <a:rPr lang="zh-CN" altLang="en-US" smtClean="0"/>
               <a:t>2024/3/10</a:t>
             </a:fld>
@@ -2075,7 +2075,7 @@
           <p:cNvPr id="3" name="页脚占位符 2">
             <a:extLst>
               <a:ext uri="{FF2B5EF4-FFF2-40B4-BE49-F238E27FC236}">
-                <a16:creationId xmlns:a16="http://schemas.microsoft.com/office/drawing/2014/main" id="{8D703916-BC87-AF8C-0FF3-E6C2142CF7B3}"/>
+                <a16:creationId xmlns:a16="http://schemas.microsoft.com/office/drawing/2014/main" id="{D094235E-F4CE-02EA-D797-62A1765A06D0}"/>
               </a:ext>
             </a:extLst>
           </p:cNvPr>
@@ -2100,7 +2100,7 @@
           <p:cNvPr id="4" name="灯片编号占位符 3">
             <a:extLst>
               <a:ext uri="{FF2B5EF4-FFF2-40B4-BE49-F238E27FC236}">
-                <a16:creationId xmlns:a16="http://schemas.microsoft.com/office/drawing/2014/main" id="{4C7527E1-E75B-BB3B-21EB-CE94886BEF49}"/>
+                <a16:creationId xmlns:a16="http://schemas.microsoft.com/office/drawing/2014/main" id="{8B6EA83A-E846-FE0A-C962-31F69CEEDECD}"/>
               </a:ext>
             </a:extLst>
           </p:cNvPr>
@@ -2116,7 +2116,7 @@
           <a:bodyPr/>
           <a:lstStyle/>
           <a:p>
-            <a:fld id="{853AB6F7-C766-402B-951A-762FF8A4124F}" type="slidenum">
+            <a:fld id="{BD72DCBB-D507-477E-9DAD-2155717DADC4}" type="slidenum">
               <a:rPr lang="zh-CN" altLang="en-US" smtClean="0"/>
               <a:t>‹#›</a:t>
             </a:fld>
@@ -2127,7 +2127,7 @@
     </p:spTree>
     <p:extLst>
       <p:ext uri="{BB962C8B-B14F-4D97-AF65-F5344CB8AC3E}">
-        <p14:creationId xmlns:p14="http://schemas.microsoft.com/office/powerpoint/2010/main" val="2786180198"/>
+        <p14:creationId xmlns:p14="http://schemas.microsoft.com/office/powerpoint/2010/main" val="123511029"/>
       </p:ext>
     </p:extLst>
   </p:cSld>
@@ -2159,7 +2159,7 @@
           <p:cNvPr id="2" name="标题 1">
             <a:extLst>
               <a:ext uri="{FF2B5EF4-FFF2-40B4-BE49-F238E27FC236}">
-                <a16:creationId xmlns:a16="http://schemas.microsoft.com/office/drawing/2014/main" id="{7F8A19E2-9AC0-8752-0195-6AF7136F1058}"/>
+                <a16:creationId xmlns:a16="http://schemas.microsoft.com/office/drawing/2014/main" id="{AE25E919-6FDE-0F91-07DA-A7ED601C7B68}"/>
               </a:ext>
             </a:extLst>
           </p:cNvPr>
@@ -2196,7 +2196,7 @@
           <p:cNvPr id="3" name="内容占位符 2">
             <a:extLst>
               <a:ext uri="{FF2B5EF4-FFF2-40B4-BE49-F238E27FC236}">
-                <a16:creationId xmlns:a16="http://schemas.microsoft.com/office/drawing/2014/main" id="{A24194C0-31E7-8DBF-7A8F-E6EC2E0D983A}"/>
+                <a16:creationId xmlns:a16="http://schemas.microsoft.com/office/drawing/2014/main" id="{FC51FC2A-9973-C13E-B1FF-C74FF87FA3DA}"/>
               </a:ext>
             </a:extLst>
           </p:cNvPr>
@@ -2286,7 +2286,7 @@
           <p:cNvPr id="4" name="文本占位符 3">
             <a:extLst>
               <a:ext uri="{FF2B5EF4-FFF2-40B4-BE49-F238E27FC236}">
-                <a16:creationId xmlns:a16="http://schemas.microsoft.com/office/drawing/2014/main" id="{D2436E3D-8CBF-DC42-A397-5CD311F0F9AD}"/>
+                <a16:creationId xmlns:a16="http://schemas.microsoft.com/office/drawing/2014/main" id="{93B14383-7A9B-833C-4035-E70D6BDC0929}"/>
               </a:ext>
             </a:extLst>
           </p:cNvPr>
@@ -2357,7 +2357,7 @@
           <p:cNvPr id="5" name="日期占位符 4">
             <a:extLst>
               <a:ext uri="{FF2B5EF4-FFF2-40B4-BE49-F238E27FC236}">
-                <a16:creationId xmlns:a16="http://schemas.microsoft.com/office/drawing/2014/main" id="{6B5F6007-D963-2043-4C66-D8A69F1F899E}"/>
+                <a16:creationId xmlns:a16="http://schemas.microsoft.com/office/drawing/2014/main" id="{14959876-1245-B1C1-AF50-C1E48F51B21F}"/>
               </a:ext>
             </a:extLst>
           </p:cNvPr>
@@ -2373,7 +2373,7 @@
           <a:bodyPr/>
           <a:lstStyle/>
           <a:p>
-            <a:fld id="{F0E689ED-7107-45A0-B095-9344D440C9F6}" type="datetimeFigureOut">
+            <a:fld id="{C50EE611-0383-4302-85D5-0C28699FB576}" type="datetimeFigureOut">
               <a:rPr lang="zh-CN" altLang="en-US" smtClean="0"/>
               <a:t>2024/3/10</a:t>
             </a:fld>
@@ -2386,7 +2386,7 @@
           <p:cNvPr id="6" name="页脚占位符 5">
             <a:extLst>
               <a:ext uri="{FF2B5EF4-FFF2-40B4-BE49-F238E27FC236}">
-                <a16:creationId xmlns:a16="http://schemas.microsoft.com/office/drawing/2014/main" id="{590C5600-B6CB-E65C-A6AD-6CD46B9CA5FF}"/>
+                <a16:creationId xmlns:a16="http://schemas.microsoft.com/office/drawing/2014/main" id="{F21B14D5-1533-9335-0700-3ED2C91F2817}"/>
               </a:ext>
             </a:extLst>
           </p:cNvPr>
@@ -2411,7 +2411,7 @@
           <p:cNvPr id="7" name="灯片编号占位符 6">
             <a:extLst>
               <a:ext uri="{FF2B5EF4-FFF2-40B4-BE49-F238E27FC236}">
-                <a16:creationId xmlns:a16="http://schemas.microsoft.com/office/drawing/2014/main" id="{0684E6F6-C92A-1574-D283-44D839B9EA20}"/>
+                <a16:creationId xmlns:a16="http://schemas.microsoft.com/office/drawing/2014/main" id="{DCE6DC25-A552-78C7-C566-82289862C896}"/>
               </a:ext>
             </a:extLst>
           </p:cNvPr>
@@ -2427,7 +2427,7 @@
           <a:bodyPr/>
           <a:lstStyle/>
           <a:p>
-            <a:fld id="{853AB6F7-C766-402B-951A-762FF8A4124F}" type="slidenum">
+            <a:fld id="{BD72DCBB-D507-477E-9DAD-2155717DADC4}" type="slidenum">
               <a:rPr lang="zh-CN" altLang="en-US" smtClean="0"/>
               <a:t>‹#›</a:t>
             </a:fld>
@@ -2438,7 +2438,7 @@
     </p:spTree>
     <p:extLst>
       <p:ext uri="{BB962C8B-B14F-4D97-AF65-F5344CB8AC3E}">
-        <p14:creationId xmlns:p14="http://schemas.microsoft.com/office/powerpoint/2010/main" val="1756075689"/>
+        <p14:creationId xmlns:p14="http://schemas.microsoft.com/office/powerpoint/2010/main" val="2231455501"/>
       </p:ext>
     </p:extLst>
   </p:cSld>
@@ -2470,7 +2470,7 @@
           <p:cNvPr id="2" name="标题 1">
             <a:extLst>
               <a:ext uri="{FF2B5EF4-FFF2-40B4-BE49-F238E27FC236}">
-                <a16:creationId xmlns:a16="http://schemas.microsoft.com/office/drawing/2014/main" id="{2C83FA37-6862-6E38-14DF-06F99651993F}"/>
+                <a16:creationId xmlns:a16="http://schemas.microsoft.com/office/drawing/2014/main" id="{95A3EC1E-7891-BB4E-17F2-15E4E6D81B3E}"/>
               </a:ext>
             </a:extLst>
           </p:cNvPr>
@@ -2507,7 +2507,7 @@
           <p:cNvPr id="3" name="图片占位符 2">
             <a:extLst>
               <a:ext uri="{FF2B5EF4-FFF2-40B4-BE49-F238E27FC236}">
-                <a16:creationId xmlns:a16="http://schemas.microsoft.com/office/drawing/2014/main" id="{36420364-46FE-1B79-1929-21CF2A7594C2}"/>
+                <a16:creationId xmlns:a16="http://schemas.microsoft.com/office/drawing/2014/main" id="{C9F24B87-1D92-D186-0986-AF87E9481B05}"/>
               </a:ext>
             </a:extLst>
           </p:cNvPr>
@@ -2574,7 +2574,7 @@
           <p:cNvPr id="4" name="文本占位符 3">
             <a:extLst>
               <a:ext uri="{FF2B5EF4-FFF2-40B4-BE49-F238E27FC236}">
-                <a16:creationId xmlns:a16="http://schemas.microsoft.com/office/drawing/2014/main" id="{65D9AB1D-9E63-E67B-B57F-0971BB49ACF0}"/>
+                <a16:creationId xmlns:a16="http://schemas.microsoft.com/office/drawing/2014/main" id="{2CAE2498-2B6E-1AFC-FF61-504953F8406F}"/>
               </a:ext>
             </a:extLst>
           </p:cNvPr>
@@ -2645,7 +2645,7 @@
           <p:cNvPr id="5" name="日期占位符 4">
             <a:extLst>
               <a:ext uri="{FF2B5EF4-FFF2-40B4-BE49-F238E27FC236}">
-                <a16:creationId xmlns:a16="http://schemas.microsoft.com/office/drawing/2014/main" id="{CE17CA15-58FD-D252-7A27-010C31E171BD}"/>
+                <a16:creationId xmlns:a16="http://schemas.microsoft.com/office/drawing/2014/main" id="{4AE24BF6-4FE5-C67D-4A5F-2F73B8C00BF7}"/>
               </a:ext>
             </a:extLst>
           </p:cNvPr>
@@ -2661,7 +2661,7 @@
           <a:bodyPr/>
           <a:lstStyle/>
           <a:p>
-            <a:fld id="{F0E689ED-7107-45A0-B095-9344D440C9F6}" type="datetimeFigureOut">
+            <a:fld id="{C50EE611-0383-4302-85D5-0C28699FB576}" type="datetimeFigureOut">
               <a:rPr lang="zh-CN" altLang="en-US" smtClean="0"/>
               <a:t>2024/3/10</a:t>
             </a:fld>
@@ -2674,7 +2674,7 @@
           <p:cNvPr id="6" name="页脚占位符 5">
             <a:extLst>
               <a:ext uri="{FF2B5EF4-FFF2-40B4-BE49-F238E27FC236}">
-                <a16:creationId xmlns:a16="http://schemas.microsoft.com/office/drawing/2014/main" id="{4564B32F-2FF2-ED5F-DAF3-2B9E31E82BEE}"/>
+                <a16:creationId xmlns:a16="http://schemas.microsoft.com/office/drawing/2014/main" id="{23C0BF65-BE31-4E70-1449-6BBE9D4E33A0}"/>
               </a:ext>
             </a:extLst>
           </p:cNvPr>
@@ -2699,7 +2699,7 @@
           <p:cNvPr id="7" name="灯片编号占位符 6">
             <a:extLst>
               <a:ext uri="{FF2B5EF4-FFF2-40B4-BE49-F238E27FC236}">
-                <a16:creationId xmlns:a16="http://schemas.microsoft.com/office/drawing/2014/main" id="{D9D2BDDC-4F2B-CCBB-2E00-1B9AD54E9E69}"/>
+                <a16:creationId xmlns:a16="http://schemas.microsoft.com/office/drawing/2014/main" id="{4B6937DD-3D22-2E7A-AE90-754C46B4EA7C}"/>
               </a:ext>
             </a:extLst>
           </p:cNvPr>
@@ -2715,7 +2715,7 @@
           <a:bodyPr/>
           <a:lstStyle/>
           <a:p>
-            <a:fld id="{853AB6F7-C766-402B-951A-762FF8A4124F}" type="slidenum">
+            <a:fld id="{BD72DCBB-D507-477E-9DAD-2155717DADC4}" type="slidenum">
               <a:rPr lang="zh-CN" altLang="en-US" smtClean="0"/>
               <a:t>‹#›</a:t>
             </a:fld>
@@ -2726,7 +2726,7 @@
     </p:spTree>
     <p:extLst>
       <p:ext uri="{BB962C8B-B14F-4D97-AF65-F5344CB8AC3E}">
-        <p14:creationId xmlns:p14="http://schemas.microsoft.com/office/powerpoint/2010/main" val="2188899228"/>
+        <p14:creationId xmlns:p14="http://schemas.microsoft.com/office/powerpoint/2010/main" val="740763464"/>
       </p:ext>
     </p:extLst>
   </p:cSld>
@@ -2763,7 +2763,7 @@
           <p:cNvPr id="2" name="标题占位符 1">
             <a:extLst>
               <a:ext uri="{FF2B5EF4-FFF2-40B4-BE49-F238E27FC236}">
-                <a16:creationId xmlns:a16="http://schemas.microsoft.com/office/drawing/2014/main" id="{CBEDB2FF-3513-0C86-DF2D-19D8918A0706}"/>
+                <a16:creationId xmlns:a16="http://schemas.microsoft.com/office/drawing/2014/main" id="{D756950E-16AF-0418-E92C-54B65F1D8432}"/>
               </a:ext>
             </a:extLst>
           </p:cNvPr>
@@ -2801,7 +2801,7 @@
           <p:cNvPr id="3" name="文本占位符 2">
             <a:extLst>
               <a:ext uri="{FF2B5EF4-FFF2-40B4-BE49-F238E27FC236}">
-                <a16:creationId xmlns:a16="http://schemas.microsoft.com/office/drawing/2014/main" id="{58B6F7BB-8870-66FA-2249-35A2712F328E}"/>
+                <a16:creationId xmlns:a16="http://schemas.microsoft.com/office/drawing/2014/main" id="{832220F0-4500-49A6-BD28-D7B4AEEEEFF6}"/>
               </a:ext>
             </a:extLst>
           </p:cNvPr>
@@ -2868,7 +2868,7 @@
           <p:cNvPr id="4" name="日期占位符 3">
             <a:extLst>
               <a:ext uri="{FF2B5EF4-FFF2-40B4-BE49-F238E27FC236}">
-                <a16:creationId xmlns:a16="http://schemas.microsoft.com/office/drawing/2014/main" id="{7D35ADFE-C5C2-07C9-9203-75B8D693B76A}"/>
+                <a16:creationId xmlns:a16="http://schemas.microsoft.com/office/drawing/2014/main" id="{A94BD809-B716-4E3A-8EB2-9939C5300C36}"/>
               </a:ext>
             </a:extLst>
           </p:cNvPr>
@@ -2902,7 +2902,7 @@
             </a:lvl1pPr>
           </a:lstStyle>
           <a:p>
-            <a:fld id="{F0E689ED-7107-45A0-B095-9344D440C9F6}" type="datetimeFigureOut">
+            <a:fld id="{C50EE611-0383-4302-85D5-0C28699FB576}" type="datetimeFigureOut">
               <a:rPr lang="zh-CN" altLang="en-US" smtClean="0"/>
               <a:t>2024/3/10</a:t>
             </a:fld>
@@ -2915,7 +2915,7 @@
           <p:cNvPr id="5" name="页脚占位符 4">
             <a:extLst>
               <a:ext uri="{FF2B5EF4-FFF2-40B4-BE49-F238E27FC236}">
-                <a16:creationId xmlns:a16="http://schemas.microsoft.com/office/drawing/2014/main" id="{B8EA9DDB-5184-F6A8-190F-5C3D0DE8C493}"/>
+                <a16:creationId xmlns:a16="http://schemas.microsoft.com/office/drawing/2014/main" id="{29AD8A96-D393-D6D6-7DD2-ED6B5C56E8E0}"/>
               </a:ext>
             </a:extLst>
           </p:cNvPr>
@@ -2958,7 +2958,7 @@
           <p:cNvPr id="6" name="灯片编号占位符 5">
             <a:extLst>
               <a:ext uri="{FF2B5EF4-FFF2-40B4-BE49-F238E27FC236}">
-                <a16:creationId xmlns:a16="http://schemas.microsoft.com/office/drawing/2014/main" id="{E5BA7FD0-EDC9-B54F-CC62-79733359689F}"/>
+                <a16:creationId xmlns:a16="http://schemas.microsoft.com/office/drawing/2014/main" id="{94358D2F-BC4A-C807-60F2-8E678178F9C8}"/>
               </a:ext>
             </a:extLst>
           </p:cNvPr>
@@ -2992,7 +2992,7 @@
             </a:lvl1pPr>
           </a:lstStyle>
           <a:p>
-            <a:fld id="{853AB6F7-C766-402B-951A-762FF8A4124F}" type="slidenum">
+            <a:fld id="{BD72DCBB-D507-477E-9DAD-2155717DADC4}" type="slidenum">
               <a:rPr lang="zh-CN" altLang="en-US" smtClean="0"/>
               <a:t>‹#›</a:t>
             </a:fld>
@@ -3003,7 +3003,7 @@
     </p:spTree>
     <p:extLst>
       <p:ext uri="{BB962C8B-B14F-4D97-AF65-F5344CB8AC3E}">
-        <p14:creationId xmlns:p14="http://schemas.microsoft.com/office/powerpoint/2010/main" val="1909994087"/>
+        <p14:creationId xmlns:p14="http://schemas.microsoft.com/office/powerpoint/2010/main" val="1643946279"/>
       </p:ext>
     </p:extLst>
   </p:cSld>
